--- a/gpu/presentation/20173155_jinkwonkim.pptx
+++ b/gpu/presentation/20173155_jinkwonkim.pptx
@@ -1237,7 +1237,7 @@
               <a:pPr>
                 <a:defRPr/>
               </a:pPr>
-              <a:t>2017-05-24</a:t>
+              <a:t>2017-06-01</a:t>
             </a:fld>
             <a:endParaRPr lang="ko-KR" altLang="en-US" dirty="0"/>
           </a:p>
@@ -1436,7 +1436,7 @@
               <a:pPr>
                 <a:defRPr/>
               </a:pPr>
-              <a:t>2017-05-24</a:t>
+              <a:t>2017-06-01</a:t>
             </a:fld>
             <a:endParaRPr lang="ko-KR" altLang="en-US" dirty="0"/>
           </a:p>
@@ -4311,7 +4311,7 @@
               <a:pPr>
                 <a:defRPr/>
               </a:pPr>
-              <a:t>5/24/2017</a:t>
+              <a:t>6/1/2017</a:t>
             </a:fld>
             <a:endParaRPr lang="en-US" altLang="ko-KR" dirty="0"/>
           </a:p>
@@ -4513,7 +4513,7 @@
               <a:pPr>
                 <a:defRPr/>
               </a:pPr>
-              <a:t>5/24/2017</a:t>
+              <a:t>6/1/2017</a:t>
             </a:fld>
             <a:endParaRPr lang="en-US" altLang="ko-KR" dirty="0"/>
           </a:p>
@@ -4946,7 +4946,7 @@
               <a:pPr>
                 <a:defRPr/>
               </a:pPr>
-              <a:t>5/24/2017</a:t>
+              <a:t>6/1/2017</a:t>
             </a:fld>
             <a:endParaRPr lang="en-US" altLang="ko-KR" dirty="0"/>
           </a:p>
@@ -5143,7 +5143,7 @@
               <a:pPr>
                 <a:defRPr/>
               </a:pPr>
-              <a:t>5/24/2017</a:t>
+              <a:t>6/1/2017</a:t>
             </a:fld>
             <a:endParaRPr lang="en-US" altLang="ko-KR" dirty="0"/>
           </a:p>
@@ -5658,7 +5658,7 @@
               <a:pPr>
                 <a:defRPr/>
               </a:pPr>
-              <a:t>5/24/2017</a:t>
+              <a:t>6/1/2017</a:t>
             </a:fld>
             <a:endParaRPr lang="en-US" altLang="ko-KR" dirty="0"/>
           </a:p>
@@ -5973,7 +5973,7 @@
               <a:pPr>
                 <a:defRPr/>
               </a:pPr>
-              <a:t>5/24/2017</a:t>
+              <a:t>6/1/2017</a:t>
             </a:fld>
             <a:endParaRPr lang="en-US" altLang="ko-KR" dirty="0"/>
           </a:p>
@@ -6476,7 +6476,7 @@
               <a:pPr>
                 <a:defRPr/>
               </a:pPr>
-              <a:t>5/24/2017</a:t>
+              <a:t>6/1/2017</a:t>
             </a:fld>
             <a:endParaRPr lang="en-US" altLang="ko-KR" dirty="0"/>
           </a:p>
@@ -6864,7 +6864,7 @@
               <a:pPr>
                 <a:defRPr/>
               </a:pPr>
-              <a:t>5/24/2017</a:t>
+              <a:t>6/1/2017</a:t>
             </a:fld>
             <a:endParaRPr lang="en-US" altLang="ko-KR" dirty="0"/>
           </a:p>
@@ -7322,7 +7322,7 @@
               <a:pPr>
                 <a:defRPr/>
               </a:pPr>
-              <a:t>5/24/2017</a:t>
+              <a:t>6/1/2017</a:t>
             </a:fld>
             <a:endParaRPr lang="en-US" altLang="ko-KR" dirty="0"/>
           </a:p>
@@ -7620,7 +7620,7 @@
               <a:pPr>
                 <a:defRPr/>
               </a:pPr>
-              <a:t>5/24/2017</a:t>
+              <a:t>6/1/2017</a:t>
             </a:fld>
             <a:endParaRPr lang="en-US" altLang="ko-KR" dirty="0"/>
           </a:p>
@@ -7950,7 +7950,7 @@
               <a:pPr>
                 <a:defRPr/>
               </a:pPr>
-              <a:t>5/24/2017</a:t>
+              <a:t>6/1/2017</a:t>
             </a:fld>
             <a:endParaRPr lang="en-US" altLang="ko-KR" dirty="0"/>
           </a:p>
@@ -8468,7 +8468,7 @@
               <a:pPr>
                 <a:defRPr/>
               </a:pPr>
-              <a:t>5/24/2017</a:t>
+              <a:t>6/1/2017</a:t>
             </a:fld>
             <a:endParaRPr lang="en-US" altLang="ko-KR" dirty="0"/>
           </a:p>
@@ -9253,10 +9253,16 @@
               <a:buNone/>
             </a:pPr>
             <a:r>
+              <a:rPr lang="en-US" altLang="ko-KR" sz="2000">
+                <a:ea typeface="맑은 고딕" panose="020B0503020000020004" pitchFamily="50" charset="-127"/>
+              </a:rPr>
+              <a:t>JUNE 1, </a:t>
+            </a:r>
+            <a:r>
               <a:rPr lang="en-US" altLang="ko-KR" sz="2000" dirty="0">
                 <a:ea typeface="맑은 고딕" panose="020B0503020000020004" pitchFamily="50" charset="-127"/>
               </a:rPr>
-              <a:t>May 25, 2017</a:t>
+              <a:t>2017</a:t>
             </a:r>
             <a:endParaRPr kumimoji="0" lang="en-US" altLang="ko-KR" sz="2000" dirty="0">
               <a:ea typeface="맑은 고딕" panose="020B0503020000020004" pitchFamily="50" charset="-127"/>
@@ -9674,6 +9680,66 @@
           </a:graphicData>
         </a:graphic>
       </p:graphicFrame>
+      <p:sp>
+        <p:nvSpPr>
+          <p:cNvPr id="4" name="TextBox 3"/>
+          <p:cNvSpPr txBox="1"/>
+          <p:nvPr/>
+        </p:nvSpPr>
+        <p:spPr>
+          <a:xfrm>
+            <a:off x="6336863" y="4797152"/>
+            <a:ext cx="1115457" cy="307777"/>
+          </a:xfrm>
+          <a:prstGeom prst="rect">
+            <a:avLst/>
+          </a:prstGeom>
+          <a:noFill/>
+        </p:spPr>
+        <p:txBody>
+          <a:bodyPr wrap="square" rtlCol="0">
+            <a:spAutoFit/>
+          </a:bodyPr>
+          <a:lstStyle/>
+          <a:p>
+            <a:r>
+              <a:rPr lang="en-US" altLang="ko-KR" sz="1400" dirty="0"/>
+              <a:t>array size</a:t>
+            </a:r>
+            <a:endParaRPr lang="ko-KR" altLang="en-US" sz="1400" dirty="0"/>
+          </a:p>
+        </p:txBody>
+      </p:sp>
+      <p:sp>
+        <p:nvSpPr>
+          <p:cNvPr id="6" name="TextBox 5"/>
+          <p:cNvSpPr txBox="1"/>
+          <p:nvPr/>
+        </p:nvSpPr>
+        <p:spPr>
+          <a:xfrm>
+            <a:off x="1082631" y="2625450"/>
+            <a:ext cx="1115457" cy="523220"/>
+          </a:xfrm>
+          <a:prstGeom prst="rect">
+            <a:avLst/>
+          </a:prstGeom>
+          <a:noFill/>
+        </p:spPr>
+        <p:txBody>
+          <a:bodyPr wrap="square" rtlCol="0">
+            <a:spAutoFit/>
+          </a:bodyPr>
+          <a:lstStyle/>
+          <a:p>
+            <a:r>
+              <a:rPr lang="en-US" altLang="ko-KR" sz="1400" dirty="0"/>
+              <a:t>running time</a:t>
+            </a:r>
+            <a:endParaRPr lang="ko-KR" altLang="en-US" sz="1400" dirty="0"/>
+          </a:p>
+        </p:txBody>
+      </p:sp>
     </p:spTree>
     <p:extLst>
       <p:ext uri="{BB962C8B-B14F-4D97-AF65-F5344CB8AC3E}">
